--- a/Stegnography/SteganoCrypt Tool.pptx
+++ b/Stegnography/SteganoCrypt Tool.pptx
@@ -199,7 +199,7 @@
           <a:p>
             <a:fld id="{CD46B8A3-C91C-4DD8-B6A3-06F0EFCF34B3}" type="datetimeFigureOut">
               <a:rPr lang="en-US" smtClean="0"/>
-              <a:t>10/20/2011</a:t>
+              <a:t>07/10/15</a:t>
             </a:fld>
             <a:endParaRPr lang="en-IN"/>
           </a:p>
@@ -367,6 +367,11 @@
         </p:txBody>
       </p:sp>
     </p:spTree>
+    <p:extLst>
+      <p:ext uri="{BB962C8B-B14F-4D97-AF65-F5344CB8AC3E}">
+        <p14:creationId xmlns:p14="http://schemas.microsoft.com/office/powerpoint/2010/main" val="1445281213"/>
+      </p:ext>
+    </p:extLst>
   </p:cSld>
   <p:clrMap bg1="lt1" tx1="dk1" bg2="lt2" tx2="dk2" accent1="accent1" accent2="accent2" accent3="accent3" accent4="accent4" accent5="accent5" accent6="accent6" hlink="hlink" folHlink="folHlink"/>
   <p:notesStyle>
@@ -725,7 +730,7 @@
           <a:p>
             <a:fld id="{B2AE1200-5F0F-4566-AA27-9D72EC845123}" type="datetimeFigureOut">
               <a:rPr lang="en-US" smtClean="0"/>
-              <a:t>10/20/2011</a:t>
+              <a:t>07/10/15</a:t>
             </a:fld>
             <a:endParaRPr lang="en-IN"/>
           </a:p>
@@ -890,7 +895,7 @@
           <a:p>
             <a:fld id="{B2AE1200-5F0F-4566-AA27-9D72EC845123}" type="datetimeFigureOut">
               <a:rPr lang="en-US" smtClean="0"/>
-              <a:t>10/20/2011</a:t>
+              <a:t>07/10/15</a:t>
             </a:fld>
             <a:endParaRPr lang="en-IN"/>
           </a:p>
@@ -1065,7 +1070,7 @@
           <a:p>
             <a:fld id="{B2AE1200-5F0F-4566-AA27-9D72EC845123}" type="datetimeFigureOut">
               <a:rPr lang="en-US" smtClean="0"/>
-              <a:t>10/20/2011</a:t>
+              <a:t>07/10/15</a:t>
             </a:fld>
             <a:endParaRPr lang="en-IN"/>
           </a:p>
@@ -1230,7 +1235,7 @@
           <a:p>
             <a:fld id="{B2AE1200-5F0F-4566-AA27-9D72EC845123}" type="datetimeFigureOut">
               <a:rPr lang="en-US" smtClean="0"/>
-              <a:t>10/20/2011</a:t>
+              <a:t>07/10/15</a:t>
             </a:fld>
             <a:endParaRPr lang="en-IN"/>
           </a:p>
@@ -1472,7 +1477,7 @@
           <a:p>
             <a:fld id="{B2AE1200-5F0F-4566-AA27-9D72EC845123}" type="datetimeFigureOut">
               <a:rPr lang="en-US" smtClean="0"/>
-              <a:t>10/20/2011</a:t>
+              <a:t>07/10/15</a:t>
             </a:fld>
             <a:endParaRPr lang="en-IN"/>
           </a:p>
@@ -1736,7 +1741,7 @@
           <a:p>
             <a:fld id="{B2AE1200-5F0F-4566-AA27-9D72EC845123}" type="datetimeFigureOut">
               <a:rPr lang="en-US" smtClean="0"/>
-              <a:t>10/20/2011</a:t>
+              <a:t>07/10/15</a:t>
             </a:fld>
             <a:endParaRPr lang="en-IN"/>
           </a:p>
@@ -2114,7 +2119,7 @@
           <a:p>
             <a:fld id="{B2AE1200-5F0F-4566-AA27-9D72EC845123}" type="datetimeFigureOut">
               <a:rPr lang="en-US" smtClean="0"/>
-              <a:t>10/20/2011</a:t>
+              <a:t>07/10/15</a:t>
             </a:fld>
             <a:endParaRPr lang="en-IN"/>
           </a:p>
@@ -2264,7 +2269,7 @@
           <a:p>
             <a:fld id="{B2AE1200-5F0F-4566-AA27-9D72EC845123}" type="datetimeFigureOut">
               <a:rPr lang="en-US" smtClean="0"/>
-              <a:t>10/20/2011</a:t>
+              <a:t>07/10/15</a:t>
             </a:fld>
             <a:endParaRPr lang="en-IN"/>
           </a:p>
@@ -2354,7 +2359,7 @@
           <a:p>
             <a:fld id="{B2AE1200-5F0F-4566-AA27-9D72EC845123}" type="datetimeFigureOut">
               <a:rPr lang="en-US" smtClean="0"/>
-              <a:t>10/20/2011</a:t>
+              <a:t>07/10/15</a:t>
             </a:fld>
             <a:endParaRPr lang="en-IN"/>
           </a:p>
@@ -2615,7 +2620,7 @@
           <a:p>
             <a:fld id="{B2AE1200-5F0F-4566-AA27-9D72EC845123}" type="datetimeFigureOut">
               <a:rPr lang="en-US" smtClean="0"/>
-              <a:t>10/20/2011</a:t>
+              <a:t>07/10/15</a:t>
             </a:fld>
             <a:endParaRPr lang="en-IN"/>
           </a:p>
@@ -2903,7 +2908,7 @@
           <a:p>
             <a:fld id="{B2AE1200-5F0F-4566-AA27-9D72EC845123}" type="datetimeFigureOut">
               <a:rPr lang="en-US" smtClean="0"/>
-              <a:t>10/20/2011</a:t>
+              <a:t>07/10/15</a:t>
             </a:fld>
             <a:endParaRPr lang="en-IN"/>
           </a:p>
@@ -3674,7 +3679,7 @@
           <a:p>
             <a:fld id="{B2AE1200-5F0F-4566-AA27-9D72EC845123}" type="datetimeFigureOut">
               <a:rPr lang="en-US" smtClean="0"/>
-              <a:t>10/20/2011</a:t>
+              <a:t>07/10/15</a:t>
             </a:fld>
             <a:endParaRPr lang="en-IN"/>
           </a:p>
@@ -4415,8 +4420,17 @@
           <a:p>
             <a:r>
               <a:rPr lang="en-US" dirty="0" smtClean="0"/>
-              <a:t>The art and science of hiding information in a cover document such as digital images in a way that conceals the existence of hidden data.</a:t>
-            </a:r>
+              <a:t>The art and science of hiding information in a cover document such as digital images in a way that conceals the existence of </a:t>
+            </a:r>
+            <a:r>
+              <a:rPr lang="en-US" smtClean="0"/>
+              <a:t>hidden </a:t>
+            </a:r>
+            <a:r>
+              <a:rPr lang="en-US" smtClean="0"/>
+              <a:t>data. </a:t>
+            </a:r>
+            <a:endParaRPr lang="en-US" dirty="0" smtClean="0"/>
           </a:p>
         </p:txBody>
       </p:sp>
@@ -4714,11 +4728,11 @@
   <p:clrMapOvr>
     <a:masterClrMapping/>
   </p:clrMapOvr>
-  <p:transition/>
+  <p:transition xmlns:p14="http://schemas.microsoft.com/office/powerpoint/2010/main"/>
   <p:timing>
     <p:tnLst>
       <p:par>
-        <p:cTn id="1" dur="indefinite" restart="never" nodeType="tmRoot">
+        <p:cTn xmlns:p14="http://schemas.microsoft.com/office/powerpoint/2010/main" id="1" dur="indefinite" restart="never" nodeType="tmRoot">
           <p:childTnLst>
             <p:seq concurrent="1" nextAc="seek">
               <p:cTn id="2" dur="indefinite" nodeType="mainSeq">
@@ -5029,11 +5043,7 @@
           <a:p>
             <a:r>
               <a:rPr lang="en-US" dirty="0" smtClean="0"/>
-              <a:t>Tattoo </a:t>
-            </a:r>
-            <a:r>
-              <a:rPr lang="en-US" dirty="0" smtClean="0"/>
-              <a:t>on a Shaved Head</a:t>
+              <a:t>Tattoo on a Shaved Head</a:t>
             </a:r>
           </a:p>
           <a:p>
@@ -5095,11 +5105,11 @@
   <p:clrMapOvr>
     <a:masterClrMapping/>
   </p:clrMapOvr>
-  <p:transition/>
+  <p:transition xmlns:p14="http://schemas.microsoft.com/office/powerpoint/2010/main"/>
   <p:timing>
     <p:tnLst>
       <p:par>
-        <p:cTn id="1" dur="indefinite" restart="never" nodeType="tmRoot">
+        <p:cTn xmlns:p14="http://schemas.microsoft.com/office/powerpoint/2010/main" id="1" dur="indefinite" restart="never" nodeType="tmRoot">
           <p:childTnLst>
             <p:seq concurrent="1" nextAc="seek">
               <p:cTn id="2" dur="indefinite" nodeType="mainSeq">
@@ -5766,11 +5776,11 @@
   <p:clrMapOvr>
     <a:masterClrMapping/>
   </p:clrMapOvr>
-  <p:transition/>
+  <p:transition xmlns:p14="http://schemas.microsoft.com/office/powerpoint/2010/main"/>
   <p:timing>
     <p:tnLst>
       <p:par>
-        <p:cTn id="1" dur="indefinite" restart="never" nodeType="tmRoot">
+        <p:cTn xmlns:p14="http://schemas.microsoft.com/office/powerpoint/2010/main" id="1" dur="indefinite" restart="never" nodeType="tmRoot">
           <p:childTnLst>
             <p:seq concurrent="1" nextAc="seek">
               <p:cTn id="2" dur="indefinite" nodeType="mainSeq">
@@ -5820,7 +5830,7 @@
                                     </p:set>
                                   </p:childTnLst>
                                   <p:subTnLst>
-                                    <p:animClr>
+                                    <p:animClr clrSpc="rgb" dir="cw">
                                       <p:cBhvr override="childStyle">
                                         <p:cTn dur="1" fill="hold" display="0" masterRel="nextClick" afterEffect="1"/>
                                         <p:tgtEl>
@@ -5889,7 +5899,7 @@
                                     </p:set>
                                   </p:childTnLst>
                                   <p:subTnLst>
-                                    <p:animClr>
+                                    <p:animClr clrSpc="rgb" dir="cw">
                                       <p:cBhvr override="childStyle">
                                         <p:cTn dur="1" fill="hold" display="0" masterRel="nextClick" afterEffect="1"/>
                                         <p:tgtEl>
@@ -5940,7 +5950,7 @@
                                     </p:set>
                                   </p:childTnLst>
                                   <p:subTnLst>
-                                    <p:animClr>
+                                    <p:animClr clrSpc="rgb" dir="cw">
                                       <p:cBhvr override="childStyle">
                                         <p:cTn dur="1" fill="hold" display="0" masterRel="nextClick" afterEffect="1"/>
                                         <p:tgtEl>
@@ -6000,7 +6010,7 @@
                                     </p:set>
                                   </p:childTnLst>
                                   <p:subTnLst>
-                                    <p:animClr>
+                                    <p:animClr clrSpc="rgb" dir="cw">
                                       <p:cBhvr override="childStyle">
                                         <p:cTn dur="1" fill="hold" display="0" masterRel="nextClick" afterEffect="1"/>
                                         <p:tgtEl>
@@ -6208,11 +6218,11 @@
   <p:clrMapOvr>
     <a:masterClrMapping/>
   </p:clrMapOvr>
-  <p:transition/>
+  <p:transition xmlns:p14="http://schemas.microsoft.com/office/powerpoint/2010/main"/>
   <p:timing>
     <p:tnLst>
       <p:par>
-        <p:cTn id="1" dur="indefinite" restart="never" nodeType="tmRoot"/>
+        <p:cTn xmlns:p14="http://schemas.microsoft.com/office/powerpoint/2010/main" id="1" dur="indefinite" restart="never" nodeType="tmRoot"/>
       </p:par>
     </p:tnLst>
   </p:timing>
@@ -6283,11 +6293,7 @@
           <a:p>
             <a:r>
               <a:rPr lang="en-IN" dirty="0" smtClean="0"/>
-              <a:t>(</a:t>
-            </a:r>
-            <a:r>
-              <a:rPr lang="en-IN" dirty="0" smtClean="0"/>
-              <a:t>r7 r6 r5 r4 r3 r2 r1 r0, g7 g6 g5 g4 g3 g2 g1 g0, b7 b6 b5 b4 b3 b2 b1 b0).</a:t>
+              <a:t>(r7 r6 r5 r4 r3 r2 r1 r0, g7 g6 g5 g4 g3 g2 g1 g0, b7 b6 b5 b4 b3 b2 b1 b0).</a:t>
             </a:r>
           </a:p>
           <a:p>
@@ -6299,19 +6305,7 @@
           <a:p>
             <a:r>
               <a:rPr lang="en-IN" dirty="0" smtClean="0"/>
-              <a:t> </a:t>
-            </a:r>
-            <a:r>
-              <a:rPr lang="en-IN" dirty="0" smtClean="0"/>
-              <a:t>c7 </a:t>
-            </a:r>
-            <a:r>
-              <a:rPr lang="en-IN" dirty="0" smtClean="0"/>
-              <a:t>c6 c5 c4 c3 c2 c1 c0</a:t>
-            </a:r>
-            <a:r>
-              <a:rPr lang="en-IN" dirty="0" smtClean="0"/>
-              <a:t>.</a:t>
+              <a:t> c7 c6 c5 c4 c3 c2 c1 c0.</a:t>
             </a:r>
           </a:p>
           <a:p>
@@ -6424,43 +6418,19 @@
           <a:p>
             <a:r>
               <a:rPr lang="en-IN" dirty="0" smtClean="0"/>
-              <a:t> </a:t>
-            </a:r>
+              <a:t> original pixel = ( 11100001, 01100100, 01100100 )</a:t>
+            </a:r>
+          </a:p>
+          <a:p>
             <a:r>
               <a:rPr lang="en-IN" dirty="0" smtClean="0"/>
-              <a:t>original </a:t>
-            </a:r>
+              <a:t> ”a” = 01100001</a:t>
+            </a:r>
+          </a:p>
+          <a:p>
             <a:r>
               <a:rPr lang="en-IN" dirty="0" smtClean="0"/>
-              <a:t>pixel = ( 11100001, 01100100, 01100100 )</a:t>
-            </a:r>
-          </a:p>
-          <a:p>
-            <a:r>
-              <a:rPr lang="en-IN" dirty="0" smtClean="0"/>
-              <a:t> </a:t>
-            </a:r>
-            <a:r>
-              <a:rPr lang="en-IN" dirty="0" smtClean="0"/>
-              <a:t>”</a:t>
-            </a:r>
-            <a:r>
-              <a:rPr lang="en-IN" dirty="0" smtClean="0"/>
-              <a:t>a” = 01100001</a:t>
-            </a:r>
-          </a:p>
-          <a:p>
-            <a:r>
-              <a:rPr lang="en-IN" dirty="0" smtClean="0"/>
-              <a:t> </a:t>
-            </a:r>
-            <a:r>
-              <a:rPr lang="en-IN" dirty="0" smtClean="0"/>
-              <a:t>new </a:t>
-            </a:r>
-            <a:r>
-              <a:rPr lang="en-IN" dirty="0" smtClean="0"/>
-              <a:t>pixel = ( 11100011, 01100000, 01100101 )</a:t>
+              <a:t> new pixel = ( 11100011, 01100000, 01100101 )</a:t>
             </a:r>
           </a:p>
           <a:p>
@@ -6559,31 +6529,7 @@
             </a:r>
             <a:r>
               <a:rPr lang="en-IN" dirty="0" smtClean="0"/>
-              <a:t> </a:t>
-            </a:r>
-            <a:r>
-              <a:rPr lang="en-IN" dirty="0" smtClean="0"/>
-              <a:t>the original </a:t>
-            </a:r>
-            <a:r>
-              <a:rPr lang="en-IN" dirty="0" smtClean="0"/>
-              <a:t>and </a:t>
-            </a:r>
-            <a:r>
-              <a:rPr lang="en-IN" dirty="0" smtClean="0"/>
-              <a:t>the image which contain actual message cannot be differentiated </a:t>
-            </a:r>
-            <a:r>
-              <a:rPr lang="en-IN" dirty="0" smtClean="0"/>
-              <a:t>with </a:t>
-            </a:r>
-            <a:r>
-              <a:rPr lang="en-IN" dirty="0" smtClean="0"/>
-              <a:t>our eyes</a:t>
-            </a:r>
-            <a:r>
-              <a:rPr lang="en-IN" dirty="0" smtClean="0"/>
-              <a:t>.</a:t>
+              <a:t> the original and the image which contain actual message cannot be differentiated with our eyes.</a:t>
             </a:r>
           </a:p>
           <a:p>
